--- a/ppt 16-9/1039.我向神仰望交.pptx
+++ b/ppt 16-9/1039.我向神仰望交.pptx
@@ -5,7 +5,7 @@
     <p:sldMasterId id="2147483648" r:id="rId1"/>
   </p:sldMasterIdLst>
   <p:sldIdLst>
-    <p:sldId id="470" r:id="rId2"/>
+    <p:sldId id="472" r:id="rId2"/>
   </p:sldIdLst>
   <p:sldSz cx="12192000" cy="6858000"/>
   <p:notesSz cx="6858000" cy="9144000"/>
@@ -129,7 +129,7 @@
           <p:cNvPr id="2" name="标题 1">
             <a:extLst>
               <a:ext uri="{FF2B5EF4-FFF2-40B4-BE49-F238E27FC236}">
-                <a16:creationId xmlns:a16="http://schemas.microsoft.com/office/drawing/2014/main" id="{A1222646-AFCF-A826-981B-7E94DAA62E3C}"/>
+                <a16:creationId xmlns:a16="http://schemas.microsoft.com/office/drawing/2014/main" id="{8EE556A8-0ED6-7DB8-6241-D9706E1DC8C7}"/>
               </a:ext>
             </a:extLst>
           </p:cNvPr>
@@ -166,7 +166,7 @@
           <p:cNvPr id="3" name="副标题 2">
             <a:extLst>
               <a:ext uri="{FF2B5EF4-FFF2-40B4-BE49-F238E27FC236}">
-                <a16:creationId xmlns:a16="http://schemas.microsoft.com/office/drawing/2014/main" id="{E7A87800-5D4C-2138-5786-40FBC75A8E82}"/>
+                <a16:creationId xmlns:a16="http://schemas.microsoft.com/office/drawing/2014/main" id="{C07013AE-5278-9FD0-F8EC-094AC3973F95}"/>
               </a:ext>
             </a:extLst>
           </p:cNvPr>
@@ -236,7 +236,7 @@
           <p:cNvPr id="4" name="日期占位符 3">
             <a:extLst>
               <a:ext uri="{FF2B5EF4-FFF2-40B4-BE49-F238E27FC236}">
-                <a16:creationId xmlns:a16="http://schemas.microsoft.com/office/drawing/2014/main" id="{2ED95290-B309-765E-B024-45E0EB41F31C}"/>
+                <a16:creationId xmlns:a16="http://schemas.microsoft.com/office/drawing/2014/main" id="{7432518E-77B4-C23C-3BE0-31E618861FDD}"/>
               </a:ext>
             </a:extLst>
           </p:cNvPr>
@@ -252,7 +252,7 @@
           <a:bodyPr/>
           <a:lstStyle/>
           <a:p>
-            <a:fld id="{DFEC7F55-DA97-435C-902C-F435D3F727E8}" type="datetimeFigureOut">
+            <a:fld id="{A2833464-4855-4A76-95B1-6364105C5E9A}" type="datetimeFigureOut">
               <a:rPr lang="zh-CN" altLang="en-US" smtClean="0"/>
               <a:t>2024/3/10</a:t>
             </a:fld>
@@ -265,7 +265,7 @@
           <p:cNvPr id="5" name="页脚占位符 4">
             <a:extLst>
               <a:ext uri="{FF2B5EF4-FFF2-40B4-BE49-F238E27FC236}">
-                <a16:creationId xmlns:a16="http://schemas.microsoft.com/office/drawing/2014/main" id="{E5E07E83-3420-7C27-4573-FAE3360133DB}"/>
+                <a16:creationId xmlns:a16="http://schemas.microsoft.com/office/drawing/2014/main" id="{F6731707-B7D9-2CB4-01D8-76ADC19F6299}"/>
               </a:ext>
             </a:extLst>
           </p:cNvPr>
@@ -290,7 +290,7 @@
           <p:cNvPr id="6" name="灯片编号占位符 5">
             <a:extLst>
               <a:ext uri="{FF2B5EF4-FFF2-40B4-BE49-F238E27FC236}">
-                <a16:creationId xmlns:a16="http://schemas.microsoft.com/office/drawing/2014/main" id="{761AE839-2997-D83E-AC68-051C0F8FB784}"/>
+                <a16:creationId xmlns:a16="http://schemas.microsoft.com/office/drawing/2014/main" id="{1E1B26BB-E967-F0A1-D5E5-A0AFDBB260D5}"/>
               </a:ext>
             </a:extLst>
           </p:cNvPr>
@@ -306,7 +306,7 @@
           <a:bodyPr/>
           <a:lstStyle/>
           <a:p>
-            <a:fld id="{5F440354-EEA8-4404-9C35-B3057DBCE840}" type="slidenum">
+            <a:fld id="{D286F675-854A-4306-AAEA-A17ACD8B5DB1}" type="slidenum">
               <a:rPr lang="zh-CN" altLang="en-US" smtClean="0"/>
               <a:t>‹#›</a:t>
             </a:fld>
@@ -317,7 +317,7 @@
     </p:spTree>
     <p:extLst>
       <p:ext uri="{BB962C8B-B14F-4D97-AF65-F5344CB8AC3E}">
-        <p14:creationId xmlns:p14="http://schemas.microsoft.com/office/powerpoint/2010/main" val="1693614557"/>
+        <p14:creationId xmlns:p14="http://schemas.microsoft.com/office/powerpoint/2010/main" val="1002498158"/>
       </p:ext>
     </p:extLst>
   </p:cSld>
@@ -349,7 +349,7 @@
           <p:cNvPr id="2" name="标题 1">
             <a:extLst>
               <a:ext uri="{FF2B5EF4-FFF2-40B4-BE49-F238E27FC236}">
-                <a16:creationId xmlns:a16="http://schemas.microsoft.com/office/drawing/2014/main" id="{76155AD0-24B1-3CA4-36FE-17B16FB18E7D}"/>
+                <a16:creationId xmlns:a16="http://schemas.microsoft.com/office/drawing/2014/main" id="{9E57C41D-5573-B495-0298-E7ACC4BC7066}"/>
               </a:ext>
             </a:extLst>
           </p:cNvPr>
@@ -377,7 +377,7 @@
           <p:cNvPr id="3" name="竖排文字占位符 2">
             <a:extLst>
               <a:ext uri="{FF2B5EF4-FFF2-40B4-BE49-F238E27FC236}">
-                <a16:creationId xmlns:a16="http://schemas.microsoft.com/office/drawing/2014/main" id="{42AAD593-6DC8-3666-00A8-5397C2602657}"/>
+                <a16:creationId xmlns:a16="http://schemas.microsoft.com/office/drawing/2014/main" id="{AB62E852-30CD-1A26-877F-6AADEAD9C872}"/>
               </a:ext>
             </a:extLst>
           </p:cNvPr>
@@ -434,7 +434,7 @@
           <p:cNvPr id="4" name="日期占位符 3">
             <a:extLst>
               <a:ext uri="{FF2B5EF4-FFF2-40B4-BE49-F238E27FC236}">
-                <a16:creationId xmlns:a16="http://schemas.microsoft.com/office/drawing/2014/main" id="{6487A06D-4CB1-2A3F-82B4-4681EDB37044}"/>
+                <a16:creationId xmlns:a16="http://schemas.microsoft.com/office/drawing/2014/main" id="{28E55391-C582-B162-C158-FC2A5B1E9D7A}"/>
               </a:ext>
             </a:extLst>
           </p:cNvPr>
@@ -450,7 +450,7 @@
           <a:bodyPr/>
           <a:lstStyle/>
           <a:p>
-            <a:fld id="{DFEC7F55-DA97-435C-902C-F435D3F727E8}" type="datetimeFigureOut">
+            <a:fld id="{A2833464-4855-4A76-95B1-6364105C5E9A}" type="datetimeFigureOut">
               <a:rPr lang="zh-CN" altLang="en-US" smtClean="0"/>
               <a:t>2024/3/10</a:t>
             </a:fld>
@@ -463,7 +463,7 @@
           <p:cNvPr id="5" name="页脚占位符 4">
             <a:extLst>
               <a:ext uri="{FF2B5EF4-FFF2-40B4-BE49-F238E27FC236}">
-                <a16:creationId xmlns:a16="http://schemas.microsoft.com/office/drawing/2014/main" id="{3687E22D-C60D-6606-8772-AFFF30F973A0}"/>
+                <a16:creationId xmlns:a16="http://schemas.microsoft.com/office/drawing/2014/main" id="{0C489F5C-32CB-302C-8700-72A5994D0254}"/>
               </a:ext>
             </a:extLst>
           </p:cNvPr>
@@ -488,7 +488,7 @@
           <p:cNvPr id="6" name="灯片编号占位符 5">
             <a:extLst>
               <a:ext uri="{FF2B5EF4-FFF2-40B4-BE49-F238E27FC236}">
-                <a16:creationId xmlns:a16="http://schemas.microsoft.com/office/drawing/2014/main" id="{5A2CBFE0-1DC7-652F-6E9B-88FE84EDB5A5}"/>
+                <a16:creationId xmlns:a16="http://schemas.microsoft.com/office/drawing/2014/main" id="{4291F222-CB42-DCBE-3010-AD68B0CAC1A5}"/>
               </a:ext>
             </a:extLst>
           </p:cNvPr>
@@ -504,7 +504,7 @@
           <a:bodyPr/>
           <a:lstStyle/>
           <a:p>
-            <a:fld id="{5F440354-EEA8-4404-9C35-B3057DBCE840}" type="slidenum">
+            <a:fld id="{D286F675-854A-4306-AAEA-A17ACD8B5DB1}" type="slidenum">
               <a:rPr lang="zh-CN" altLang="en-US" smtClean="0"/>
               <a:t>‹#›</a:t>
             </a:fld>
@@ -515,7 +515,7 @@
     </p:spTree>
     <p:extLst>
       <p:ext uri="{BB962C8B-B14F-4D97-AF65-F5344CB8AC3E}">
-        <p14:creationId xmlns:p14="http://schemas.microsoft.com/office/powerpoint/2010/main" val="235534494"/>
+        <p14:creationId xmlns:p14="http://schemas.microsoft.com/office/powerpoint/2010/main" val="1446456064"/>
       </p:ext>
     </p:extLst>
   </p:cSld>
@@ -547,7 +547,7 @@
           <p:cNvPr id="2" name="竖排标题 1">
             <a:extLst>
               <a:ext uri="{FF2B5EF4-FFF2-40B4-BE49-F238E27FC236}">
-                <a16:creationId xmlns:a16="http://schemas.microsoft.com/office/drawing/2014/main" id="{476AD82D-0C45-8A06-502F-7A1369497F59}"/>
+                <a16:creationId xmlns:a16="http://schemas.microsoft.com/office/drawing/2014/main" id="{DD984F87-2F23-8ADD-A535-6736B51A0810}"/>
               </a:ext>
             </a:extLst>
           </p:cNvPr>
@@ -580,7 +580,7 @@
           <p:cNvPr id="3" name="竖排文字占位符 2">
             <a:extLst>
               <a:ext uri="{FF2B5EF4-FFF2-40B4-BE49-F238E27FC236}">
-                <a16:creationId xmlns:a16="http://schemas.microsoft.com/office/drawing/2014/main" id="{F0D7AC4A-95CE-ABB0-2AB5-C45763EE832C}"/>
+                <a16:creationId xmlns:a16="http://schemas.microsoft.com/office/drawing/2014/main" id="{2DF63A88-FD22-DBCA-51B5-78F051240DF9}"/>
               </a:ext>
             </a:extLst>
           </p:cNvPr>
@@ -642,7 +642,7 @@
           <p:cNvPr id="4" name="日期占位符 3">
             <a:extLst>
               <a:ext uri="{FF2B5EF4-FFF2-40B4-BE49-F238E27FC236}">
-                <a16:creationId xmlns:a16="http://schemas.microsoft.com/office/drawing/2014/main" id="{3951FEFE-36A6-0E4F-30EF-3D25B6A5DC6C}"/>
+                <a16:creationId xmlns:a16="http://schemas.microsoft.com/office/drawing/2014/main" id="{4DD04627-72CA-513A-25F9-1FB63FF67A04}"/>
               </a:ext>
             </a:extLst>
           </p:cNvPr>
@@ -658,7 +658,7 @@
           <a:bodyPr/>
           <a:lstStyle/>
           <a:p>
-            <a:fld id="{DFEC7F55-DA97-435C-902C-F435D3F727E8}" type="datetimeFigureOut">
+            <a:fld id="{A2833464-4855-4A76-95B1-6364105C5E9A}" type="datetimeFigureOut">
               <a:rPr lang="zh-CN" altLang="en-US" smtClean="0"/>
               <a:t>2024/3/10</a:t>
             </a:fld>
@@ -671,7 +671,7 @@
           <p:cNvPr id="5" name="页脚占位符 4">
             <a:extLst>
               <a:ext uri="{FF2B5EF4-FFF2-40B4-BE49-F238E27FC236}">
-                <a16:creationId xmlns:a16="http://schemas.microsoft.com/office/drawing/2014/main" id="{C8154901-A530-FAFC-9F1A-4D37C296C44C}"/>
+                <a16:creationId xmlns:a16="http://schemas.microsoft.com/office/drawing/2014/main" id="{A5A5632F-6CE6-A7A7-5B2C-E7F4C45E3474}"/>
               </a:ext>
             </a:extLst>
           </p:cNvPr>
@@ -696,7 +696,7 @@
           <p:cNvPr id="6" name="灯片编号占位符 5">
             <a:extLst>
               <a:ext uri="{FF2B5EF4-FFF2-40B4-BE49-F238E27FC236}">
-                <a16:creationId xmlns:a16="http://schemas.microsoft.com/office/drawing/2014/main" id="{60A5EDF2-9DA8-CCF1-159B-0C2DAEDA1DEB}"/>
+                <a16:creationId xmlns:a16="http://schemas.microsoft.com/office/drawing/2014/main" id="{7C79518E-38B2-9353-0BA9-68D0329158AE}"/>
               </a:ext>
             </a:extLst>
           </p:cNvPr>
@@ -712,7 +712,7 @@
           <a:bodyPr/>
           <a:lstStyle/>
           <a:p>
-            <a:fld id="{5F440354-EEA8-4404-9C35-B3057DBCE840}" type="slidenum">
+            <a:fld id="{D286F675-854A-4306-AAEA-A17ACD8B5DB1}" type="slidenum">
               <a:rPr lang="zh-CN" altLang="en-US" smtClean="0"/>
               <a:t>‹#›</a:t>
             </a:fld>
@@ -723,7 +723,7 @@
     </p:spTree>
     <p:extLst>
       <p:ext uri="{BB962C8B-B14F-4D97-AF65-F5344CB8AC3E}">
-        <p14:creationId xmlns:p14="http://schemas.microsoft.com/office/powerpoint/2010/main" val="185033229"/>
+        <p14:creationId xmlns:p14="http://schemas.microsoft.com/office/powerpoint/2010/main" val="1670776524"/>
       </p:ext>
     </p:extLst>
   </p:cSld>
@@ -755,7 +755,7 @@
           <p:cNvPr id="2" name="标题 1">
             <a:extLst>
               <a:ext uri="{FF2B5EF4-FFF2-40B4-BE49-F238E27FC236}">
-                <a16:creationId xmlns:a16="http://schemas.microsoft.com/office/drawing/2014/main" id="{9EF428DC-2D04-6A5F-5BC3-277111BF550A}"/>
+                <a16:creationId xmlns:a16="http://schemas.microsoft.com/office/drawing/2014/main" id="{A453F247-1ACC-8B7A-430D-BEC2F7B67CA1}"/>
               </a:ext>
             </a:extLst>
           </p:cNvPr>
@@ -783,7 +783,7 @@
           <p:cNvPr id="3" name="内容占位符 2">
             <a:extLst>
               <a:ext uri="{FF2B5EF4-FFF2-40B4-BE49-F238E27FC236}">
-                <a16:creationId xmlns:a16="http://schemas.microsoft.com/office/drawing/2014/main" id="{6AEF9F81-A9BF-C89A-1CBB-335B3AE0DB72}"/>
+                <a16:creationId xmlns:a16="http://schemas.microsoft.com/office/drawing/2014/main" id="{156DB4D3-D871-D93A-BB94-FFEA45346C26}"/>
               </a:ext>
             </a:extLst>
           </p:cNvPr>
@@ -840,7 +840,7 @@
           <p:cNvPr id="4" name="日期占位符 3">
             <a:extLst>
               <a:ext uri="{FF2B5EF4-FFF2-40B4-BE49-F238E27FC236}">
-                <a16:creationId xmlns:a16="http://schemas.microsoft.com/office/drawing/2014/main" id="{E239BB1B-3F13-B779-9AE0-752FD608FE40}"/>
+                <a16:creationId xmlns:a16="http://schemas.microsoft.com/office/drawing/2014/main" id="{25F2D32F-04E7-ADF9-1DEF-3EB935504AFA}"/>
               </a:ext>
             </a:extLst>
           </p:cNvPr>
@@ -856,7 +856,7 @@
           <a:bodyPr/>
           <a:lstStyle/>
           <a:p>
-            <a:fld id="{DFEC7F55-DA97-435C-902C-F435D3F727E8}" type="datetimeFigureOut">
+            <a:fld id="{A2833464-4855-4A76-95B1-6364105C5E9A}" type="datetimeFigureOut">
               <a:rPr lang="zh-CN" altLang="en-US" smtClean="0"/>
               <a:t>2024/3/10</a:t>
             </a:fld>
@@ -869,7 +869,7 @@
           <p:cNvPr id="5" name="页脚占位符 4">
             <a:extLst>
               <a:ext uri="{FF2B5EF4-FFF2-40B4-BE49-F238E27FC236}">
-                <a16:creationId xmlns:a16="http://schemas.microsoft.com/office/drawing/2014/main" id="{84EAFF5F-C4C4-2AD5-EF98-31DBBC99CBB1}"/>
+                <a16:creationId xmlns:a16="http://schemas.microsoft.com/office/drawing/2014/main" id="{7CB4D9B8-B44B-B09B-9EB4-E957DE317474}"/>
               </a:ext>
             </a:extLst>
           </p:cNvPr>
@@ -894,7 +894,7 @@
           <p:cNvPr id="6" name="灯片编号占位符 5">
             <a:extLst>
               <a:ext uri="{FF2B5EF4-FFF2-40B4-BE49-F238E27FC236}">
-                <a16:creationId xmlns:a16="http://schemas.microsoft.com/office/drawing/2014/main" id="{B33DC412-847B-9DDC-0246-B30DD7D258BE}"/>
+                <a16:creationId xmlns:a16="http://schemas.microsoft.com/office/drawing/2014/main" id="{466789D4-09C8-7C71-8E7B-E1B42D0B22B3}"/>
               </a:ext>
             </a:extLst>
           </p:cNvPr>
@@ -910,7 +910,7 @@
           <a:bodyPr/>
           <a:lstStyle/>
           <a:p>
-            <a:fld id="{5F440354-EEA8-4404-9C35-B3057DBCE840}" type="slidenum">
+            <a:fld id="{D286F675-854A-4306-AAEA-A17ACD8B5DB1}" type="slidenum">
               <a:rPr lang="zh-CN" altLang="en-US" smtClean="0"/>
               <a:t>‹#›</a:t>
             </a:fld>
@@ -921,7 +921,7 @@
     </p:spTree>
     <p:extLst>
       <p:ext uri="{BB962C8B-B14F-4D97-AF65-F5344CB8AC3E}">
-        <p14:creationId xmlns:p14="http://schemas.microsoft.com/office/powerpoint/2010/main" val="3503664930"/>
+        <p14:creationId xmlns:p14="http://schemas.microsoft.com/office/powerpoint/2010/main" val="2721925570"/>
       </p:ext>
     </p:extLst>
   </p:cSld>
@@ -953,7 +953,7 @@
           <p:cNvPr id="2" name="标题 1">
             <a:extLst>
               <a:ext uri="{FF2B5EF4-FFF2-40B4-BE49-F238E27FC236}">
-                <a16:creationId xmlns:a16="http://schemas.microsoft.com/office/drawing/2014/main" id="{79B6E6F1-3A25-47DA-0BC6-5D7CA87C586D}"/>
+                <a16:creationId xmlns:a16="http://schemas.microsoft.com/office/drawing/2014/main" id="{813BDC65-07BB-B7D4-A651-0955F660B08F}"/>
               </a:ext>
             </a:extLst>
           </p:cNvPr>
@@ -990,7 +990,7 @@
           <p:cNvPr id="3" name="文本占位符 2">
             <a:extLst>
               <a:ext uri="{FF2B5EF4-FFF2-40B4-BE49-F238E27FC236}">
-                <a16:creationId xmlns:a16="http://schemas.microsoft.com/office/drawing/2014/main" id="{ABAFB5FA-9CA4-5702-41BC-E802B3C182D9}"/>
+                <a16:creationId xmlns:a16="http://schemas.microsoft.com/office/drawing/2014/main" id="{840D1F82-7F94-46AC-8257-DBE886AB47C5}"/>
               </a:ext>
             </a:extLst>
           </p:cNvPr>
@@ -1115,7 +1115,7 @@
           <p:cNvPr id="4" name="日期占位符 3">
             <a:extLst>
               <a:ext uri="{FF2B5EF4-FFF2-40B4-BE49-F238E27FC236}">
-                <a16:creationId xmlns:a16="http://schemas.microsoft.com/office/drawing/2014/main" id="{6A7EC23C-76D5-A2B5-42FF-887C0F0B0628}"/>
+                <a16:creationId xmlns:a16="http://schemas.microsoft.com/office/drawing/2014/main" id="{BAD79D4D-5254-7ECE-5A48-73CDA11B13BF}"/>
               </a:ext>
             </a:extLst>
           </p:cNvPr>
@@ -1131,7 +1131,7 @@
           <a:bodyPr/>
           <a:lstStyle/>
           <a:p>
-            <a:fld id="{DFEC7F55-DA97-435C-902C-F435D3F727E8}" type="datetimeFigureOut">
+            <a:fld id="{A2833464-4855-4A76-95B1-6364105C5E9A}" type="datetimeFigureOut">
               <a:rPr lang="zh-CN" altLang="en-US" smtClean="0"/>
               <a:t>2024/3/10</a:t>
             </a:fld>
@@ -1144,7 +1144,7 @@
           <p:cNvPr id="5" name="页脚占位符 4">
             <a:extLst>
               <a:ext uri="{FF2B5EF4-FFF2-40B4-BE49-F238E27FC236}">
-                <a16:creationId xmlns:a16="http://schemas.microsoft.com/office/drawing/2014/main" id="{69B6A9C2-4DC2-E925-451D-D62140C8A8C4}"/>
+                <a16:creationId xmlns:a16="http://schemas.microsoft.com/office/drawing/2014/main" id="{BD8580CC-5EE2-CAFA-97F2-5B3009861D01}"/>
               </a:ext>
             </a:extLst>
           </p:cNvPr>
@@ -1169,7 +1169,7 @@
           <p:cNvPr id="6" name="灯片编号占位符 5">
             <a:extLst>
               <a:ext uri="{FF2B5EF4-FFF2-40B4-BE49-F238E27FC236}">
-                <a16:creationId xmlns:a16="http://schemas.microsoft.com/office/drawing/2014/main" id="{30255A8B-8F8D-3FDD-203A-1434F545D861}"/>
+                <a16:creationId xmlns:a16="http://schemas.microsoft.com/office/drawing/2014/main" id="{AEAD06FF-8912-86DB-B41F-4C776A9F728E}"/>
               </a:ext>
             </a:extLst>
           </p:cNvPr>
@@ -1185,7 +1185,7 @@
           <a:bodyPr/>
           <a:lstStyle/>
           <a:p>
-            <a:fld id="{5F440354-EEA8-4404-9C35-B3057DBCE840}" type="slidenum">
+            <a:fld id="{D286F675-854A-4306-AAEA-A17ACD8B5DB1}" type="slidenum">
               <a:rPr lang="zh-CN" altLang="en-US" smtClean="0"/>
               <a:t>‹#›</a:t>
             </a:fld>
@@ -1196,7 +1196,7 @@
     </p:spTree>
     <p:extLst>
       <p:ext uri="{BB962C8B-B14F-4D97-AF65-F5344CB8AC3E}">
-        <p14:creationId xmlns:p14="http://schemas.microsoft.com/office/powerpoint/2010/main" val="2570460155"/>
+        <p14:creationId xmlns:p14="http://schemas.microsoft.com/office/powerpoint/2010/main" val="1830773439"/>
       </p:ext>
     </p:extLst>
   </p:cSld>
@@ -1228,7 +1228,7 @@
           <p:cNvPr id="2" name="标题 1">
             <a:extLst>
               <a:ext uri="{FF2B5EF4-FFF2-40B4-BE49-F238E27FC236}">
-                <a16:creationId xmlns:a16="http://schemas.microsoft.com/office/drawing/2014/main" id="{4F9E4CCF-B9C6-EEBB-EC15-65912386CFA6}"/>
+                <a16:creationId xmlns:a16="http://schemas.microsoft.com/office/drawing/2014/main" id="{1E3698BF-2F34-ABA9-41C8-64BB51CA5569}"/>
               </a:ext>
             </a:extLst>
           </p:cNvPr>
@@ -1256,7 +1256,7 @@
           <p:cNvPr id="3" name="内容占位符 2">
             <a:extLst>
               <a:ext uri="{FF2B5EF4-FFF2-40B4-BE49-F238E27FC236}">
-                <a16:creationId xmlns:a16="http://schemas.microsoft.com/office/drawing/2014/main" id="{D6548335-9381-F8BD-5C7C-D05E879D5B00}"/>
+                <a16:creationId xmlns:a16="http://schemas.microsoft.com/office/drawing/2014/main" id="{926BDE03-BE78-1685-C5CF-E13540A4918E}"/>
               </a:ext>
             </a:extLst>
           </p:cNvPr>
@@ -1318,7 +1318,7 @@
           <p:cNvPr id="4" name="内容占位符 3">
             <a:extLst>
               <a:ext uri="{FF2B5EF4-FFF2-40B4-BE49-F238E27FC236}">
-                <a16:creationId xmlns:a16="http://schemas.microsoft.com/office/drawing/2014/main" id="{741B29E2-9D21-FDEF-9533-77FF44A30F3C}"/>
+                <a16:creationId xmlns:a16="http://schemas.microsoft.com/office/drawing/2014/main" id="{A631ED3D-9F3F-9810-483F-F4104C352F53}"/>
               </a:ext>
             </a:extLst>
           </p:cNvPr>
@@ -1380,7 +1380,7 @@
           <p:cNvPr id="5" name="日期占位符 4">
             <a:extLst>
               <a:ext uri="{FF2B5EF4-FFF2-40B4-BE49-F238E27FC236}">
-                <a16:creationId xmlns:a16="http://schemas.microsoft.com/office/drawing/2014/main" id="{BDA6358F-CF24-6C9B-A091-C527A49A7195}"/>
+                <a16:creationId xmlns:a16="http://schemas.microsoft.com/office/drawing/2014/main" id="{F0585891-D5DC-08B9-3F9C-82EE08CDD5C9}"/>
               </a:ext>
             </a:extLst>
           </p:cNvPr>
@@ -1396,7 +1396,7 @@
           <a:bodyPr/>
           <a:lstStyle/>
           <a:p>
-            <a:fld id="{DFEC7F55-DA97-435C-902C-F435D3F727E8}" type="datetimeFigureOut">
+            <a:fld id="{A2833464-4855-4A76-95B1-6364105C5E9A}" type="datetimeFigureOut">
               <a:rPr lang="zh-CN" altLang="en-US" smtClean="0"/>
               <a:t>2024/3/10</a:t>
             </a:fld>
@@ -1409,7 +1409,7 @@
           <p:cNvPr id="6" name="页脚占位符 5">
             <a:extLst>
               <a:ext uri="{FF2B5EF4-FFF2-40B4-BE49-F238E27FC236}">
-                <a16:creationId xmlns:a16="http://schemas.microsoft.com/office/drawing/2014/main" id="{598980F2-14A0-59CD-4D00-51DD27EE4760}"/>
+                <a16:creationId xmlns:a16="http://schemas.microsoft.com/office/drawing/2014/main" id="{60951B03-EA78-78BA-6F1F-240CC8FB74EC}"/>
               </a:ext>
             </a:extLst>
           </p:cNvPr>
@@ -1434,7 +1434,7 @@
           <p:cNvPr id="7" name="灯片编号占位符 6">
             <a:extLst>
               <a:ext uri="{FF2B5EF4-FFF2-40B4-BE49-F238E27FC236}">
-                <a16:creationId xmlns:a16="http://schemas.microsoft.com/office/drawing/2014/main" id="{D83655FD-2F4A-BF65-0B73-5BF6023753A0}"/>
+                <a16:creationId xmlns:a16="http://schemas.microsoft.com/office/drawing/2014/main" id="{5118B11F-4D63-F546-8E2F-AE1240C72670}"/>
               </a:ext>
             </a:extLst>
           </p:cNvPr>
@@ -1450,7 +1450,7 @@
           <a:bodyPr/>
           <a:lstStyle/>
           <a:p>
-            <a:fld id="{5F440354-EEA8-4404-9C35-B3057DBCE840}" type="slidenum">
+            <a:fld id="{D286F675-854A-4306-AAEA-A17ACD8B5DB1}" type="slidenum">
               <a:rPr lang="zh-CN" altLang="en-US" smtClean="0"/>
               <a:t>‹#›</a:t>
             </a:fld>
@@ -1461,7 +1461,7 @@
     </p:spTree>
     <p:extLst>
       <p:ext uri="{BB962C8B-B14F-4D97-AF65-F5344CB8AC3E}">
-        <p14:creationId xmlns:p14="http://schemas.microsoft.com/office/powerpoint/2010/main" val="2399914845"/>
+        <p14:creationId xmlns:p14="http://schemas.microsoft.com/office/powerpoint/2010/main" val="3912476643"/>
       </p:ext>
     </p:extLst>
   </p:cSld>
@@ -1493,7 +1493,7 @@
           <p:cNvPr id="2" name="标题 1">
             <a:extLst>
               <a:ext uri="{FF2B5EF4-FFF2-40B4-BE49-F238E27FC236}">
-                <a16:creationId xmlns:a16="http://schemas.microsoft.com/office/drawing/2014/main" id="{B6EC45D5-5D37-754F-CF4E-56F97702D7A2}"/>
+                <a16:creationId xmlns:a16="http://schemas.microsoft.com/office/drawing/2014/main" id="{AE88E211-41EC-FC0F-5E13-2C9C778038C1}"/>
               </a:ext>
             </a:extLst>
           </p:cNvPr>
@@ -1526,7 +1526,7 @@
           <p:cNvPr id="3" name="文本占位符 2">
             <a:extLst>
               <a:ext uri="{FF2B5EF4-FFF2-40B4-BE49-F238E27FC236}">
-                <a16:creationId xmlns:a16="http://schemas.microsoft.com/office/drawing/2014/main" id="{711C61E0-0E85-D613-3C44-53EAEB13E115}"/>
+                <a16:creationId xmlns:a16="http://schemas.microsoft.com/office/drawing/2014/main" id="{C272ACB0-0542-1910-A6BD-C4D31006D6C7}"/>
               </a:ext>
             </a:extLst>
           </p:cNvPr>
@@ -1597,7 +1597,7 @@
           <p:cNvPr id="4" name="内容占位符 3">
             <a:extLst>
               <a:ext uri="{FF2B5EF4-FFF2-40B4-BE49-F238E27FC236}">
-                <a16:creationId xmlns:a16="http://schemas.microsoft.com/office/drawing/2014/main" id="{571E57CA-A5F5-CC53-1AB0-EC53F6BBDCC2}"/>
+                <a16:creationId xmlns:a16="http://schemas.microsoft.com/office/drawing/2014/main" id="{359798DA-FCC6-EDEE-073C-53C745C8FEF9}"/>
               </a:ext>
             </a:extLst>
           </p:cNvPr>
@@ -1659,7 +1659,7 @@
           <p:cNvPr id="5" name="文本占位符 4">
             <a:extLst>
               <a:ext uri="{FF2B5EF4-FFF2-40B4-BE49-F238E27FC236}">
-                <a16:creationId xmlns:a16="http://schemas.microsoft.com/office/drawing/2014/main" id="{6B4514A7-B465-259E-0BA2-E813C0BF03B1}"/>
+                <a16:creationId xmlns:a16="http://schemas.microsoft.com/office/drawing/2014/main" id="{3A765932-42FE-D453-85A2-E8F431EEC485}"/>
               </a:ext>
             </a:extLst>
           </p:cNvPr>
@@ -1730,7 +1730,7 @@
           <p:cNvPr id="6" name="内容占位符 5">
             <a:extLst>
               <a:ext uri="{FF2B5EF4-FFF2-40B4-BE49-F238E27FC236}">
-                <a16:creationId xmlns:a16="http://schemas.microsoft.com/office/drawing/2014/main" id="{C92B3471-AE97-3C66-224E-899BBECF108E}"/>
+                <a16:creationId xmlns:a16="http://schemas.microsoft.com/office/drawing/2014/main" id="{1B1C28B1-D293-DCC4-5B1C-B1C912E0A4DB}"/>
               </a:ext>
             </a:extLst>
           </p:cNvPr>
@@ -1792,7 +1792,7 @@
           <p:cNvPr id="7" name="日期占位符 6">
             <a:extLst>
               <a:ext uri="{FF2B5EF4-FFF2-40B4-BE49-F238E27FC236}">
-                <a16:creationId xmlns:a16="http://schemas.microsoft.com/office/drawing/2014/main" id="{50A7EECE-01EE-ED39-1027-5B4FF671D36E}"/>
+                <a16:creationId xmlns:a16="http://schemas.microsoft.com/office/drawing/2014/main" id="{28CA8A5B-E844-BA38-3C6F-4F1A833E572A}"/>
               </a:ext>
             </a:extLst>
           </p:cNvPr>
@@ -1808,7 +1808,7 @@
           <a:bodyPr/>
           <a:lstStyle/>
           <a:p>
-            <a:fld id="{DFEC7F55-DA97-435C-902C-F435D3F727E8}" type="datetimeFigureOut">
+            <a:fld id="{A2833464-4855-4A76-95B1-6364105C5E9A}" type="datetimeFigureOut">
               <a:rPr lang="zh-CN" altLang="en-US" smtClean="0"/>
               <a:t>2024/3/10</a:t>
             </a:fld>
@@ -1821,7 +1821,7 @@
           <p:cNvPr id="8" name="页脚占位符 7">
             <a:extLst>
               <a:ext uri="{FF2B5EF4-FFF2-40B4-BE49-F238E27FC236}">
-                <a16:creationId xmlns:a16="http://schemas.microsoft.com/office/drawing/2014/main" id="{8DDFCBF3-7477-3D3B-28F1-1A4204A1350F}"/>
+                <a16:creationId xmlns:a16="http://schemas.microsoft.com/office/drawing/2014/main" id="{85483FBE-00C1-FE28-DBB4-4A72E787CFA0}"/>
               </a:ext>
             </a:extLst>
           </p:cNvPr>
@@ -1846,7 +1846,7 @@
           <p:cNvPr id="9" name="灯片编号占位符 8">
             <a:extLst>
               <a:ext uri="{FF2B5EF4-FFF2-40B4-BE49-F238E27FC236}">
-                <a16:creationId xmlns:a16="http://schemas.microsoft.com/office/drawing/2014/main" id="{E01F7834-7D97-EFE4-03DB-E8447A04A557}"/>
+                <a16:creationId xmlns:a16="http://schemas.microsoft.com/office/drawing/2014/main" id="{EE48CF71-4EBC-F802-AED3-6C2C4BF0EF96}"/>
               </a:ext>
             </a:extLst>
           </p:cNvPr>
@@ -1862,7 +1862,7 @@
           <a:bodyPr/>
           <a:lstStyle/>
           <a:p>
-            <a:fld id="{5F440354-EEA8-4404-9C35-B3057DBCE840}" type="slidenum">
+            <a:fld id="{D286F675-854A-4306-AAEA-A17ACD8B5DB1}" type="slidenum">
               <a:rPr lang="zh-CN" altLang="en-US" smtClean="0"/>
               <a:t>‹#›</a:t>
             </a:fld>
@@ -1873,7 +1873,7 @@
     </p:spTree>
     <p:extLst>
       <p:ext uri="{BB962C8B-B14F-4D97-AF65-F5344CB8AC3E}">
-        <p14:creationId xmlns:p14="http://schemas.microsoft.com/office/powerpoint/2010/main" val="1691508260"/>
+        <p14:creationId xmlns:p14="http://schemas.microsoft.com/office/powerpoint/2010/main" val="1141083851"/>
       </p:ext>
     </p:extLst>
   </p:cSld>
@@ -1905,7 +1905,7 @@
           <p:cNvPr id="2" name="标题 1">
             <a:extLst>
               <a:ext uri="{FF2B5EF4-FFF2-40B4-BE49-F238E27FC236}">
-                <a16:creationId xmlns:a16="http://schemas.microsoft.com/office/drawing/2014/main" id="{57621FA2-EB17-B08B-C07D-41F607541351}"/>
+                <a16:creationId xmlns:a16="http://schemas.microsoft.com/office/drawing/2014/main" id="{A075262A-1CC1-FBF6-BE6E-0A9D12CDA090}"/>
               </a:ext>
             </a:extLst>
           </p:cNvPr>
@@ -1933,7 +1933,7 @@
           <p:cNvPr id="3" name="日期占位符 2">
             <a:extLst>
               <a:ext uri="{FF2B5EF4-FFF2-40B4-BE49-F238E27FC236}">
-                <a16:creationId xmlns:a16="http://schemas.microsoft.com/office/drawing/2014/main" id="{A6666DC9-7287-8256-721A-03547BC0B6E2}"/>
+                <a16:creationId xmlns:a16="http://schemas.microsoft.com/office/drawing/2014/main" id="{341E0A33-DEEF-A19B-A21F-A46AFBEED133}"/>
               </a:ext>
             </a:extLst>
           </p:cNvPr>
@@ -1949,7 +1949,7 @@
           <a:bodyPr/>
           <a:lstStyle/>
           <a:p>
-            <a:fld id="{DFEC7F55-DA97-435C-902C-F435D3F727E8}" type="datetimeFigureOut">
+            <a:fld id="{A2833464-4855-4A76-95B1-6364105C5E9A}" type="datetimeFigureOut">
               <a:rPr lang="zh-CN" altLang="en-US" smtClean="0"/>
               <a:t>2024/3/10</a:t>
             </a:fld>
@@ -1962,7 +1962,7 @@
           <p:cNvPr id="4" name="页脚占位符 3">
             <a:extLst>
               <a:ext uri="{FF2B5EF4-FFF2-40B4-BE49-F238E27FC236}">
-                <a16:creationId xmlns:a16="http://schemas.microsoft.com/office/drawing/2014/main" id="{FEE82E03-34D3-B7F8-6848-0C6F08633D4E}"/>
+                <a16:creationId xmlns:a16="http://schemas.microsoft.com/office/drawing/2014/main" id="{CE2E2E08-26C9-FF16-4E62-58BD4D32A044}"/>
               </a:ext>
             </a:extLst>
           </p:cNvPr>
@@ -1987,7 +1987,7 @@
           <p:cNvPr id="5" name="灯片编号占位符 4">
             <a:extLst>
               <a:ext uri="{FF2B5EF4-FFF2-40B4-BE49-F238E27FC236}">
-                <a16:creationId xmlns:a16="http://schemas.microsoft.com/office/drawing/2014/main" id="{853541EA-5F06-93C2-CAA7-B85196A713D3}"/>
+                <a16:creationId xmlns:a16="http://schemas.microsoft.com/office/drawing/2014/main" id="{9C351C77-40C6-5523-F816-298B6A913572}"/>
               </a:ext>
             </a:extLst>
           </p:cNvPr>
@@ -2003,7 +2003,7 @@
           <a:bodyPr/>
           <a:lstStyle/>
           <a:p>
-            <a:fld id="{5F440354-EEA8-4404-9C35-B3057DBCE840}" type="slidenum">
+            <a:fld id="{D286F675-854A-4306-AAEA-A17ACD8B5DB1}" type="slidenum">
               <a:rPr lang="zh-CN" altLang="en-US" smtClean="0"/>
               <a:t>‹#›</a:t>
             </a:fld>
@@ -2014,7 +2014,7 @@
     </p:spTree>
     <p:extLst>
       <p:ext uri="{BB962C8B-B14F-4D97-AF65-F5344CB8AC3E}">
-        <p14:creationId xmlns:p14="http://schemas.microsoft.com/office/powerpoint/2010/main" val="1342650994"/>
+        <p14:creationId xmlns:p14="http://schemas.microsoft.com/office/powerpoint/2010/main" val="3662810785"/>
       </p:ext>
     </p:extLst>
   </p:cSld>
@@ -2046,7 +2046,7 @@
           <p:cNvPr id="2" name="日期占位符 1">
             <a:extLst>
               <a:ext uri="{FF2B5EF4-FFF2-40B4-BE49-F238E27FC236}">
-                <a16:creationId xmlns:a16="http://schemas.microsoft.com/office/drawing/2014/main" id="{C3868BA0-9C48-4E37-D9BE-4A381C38EB84}"/>
+                <a16:creationId xmlns:a16="http://schemas.microsoft.com/office/drawing/2014/main" id="{E3C1A84D-07F4-E8CC-4ACC-65574405039A}"/>
               </a:ext>
             </a:extLst>
           </p:cNvPr>
@@ -2062,7 +2062,7 @@
           <a:bodyPr/>
           <a:lstStyle/>
           <a:p>
-            <a:fld id="{DFEC7F55-DA97-435C-902C-F435D3F727E8}" type="datetimeFigureOut">
+            <a:fld id="{A2833464-4855-4A76-95B1-6364105C5E9A}" type="datetimeFigureOut">
               <a:rPr lang="zh-CN" altLang="en-US" smtClean="0"/>
               <a:t>2024/3/10</a:t>
             </a:fld>
@@ -2075,7 +2075,7 @@
           <p:cNvPr id="3" name="页脚占位符 2">
             <a:extLst>
               <a:ext uri="{FF2B5EF4-FFF2-40B4-BE49-F238E27FC236}">
-                <a16:creationId xmlns:a16="http://schemas.microsoft.com/office/drawing/2014/main" id="{085A6D34-5F18-DD90-8E5E-5D035060F30A}"/>
+                <a16:creationId xmlns:a16="http://schemas.microsoft.com/office/drawing/2014/main" id="{37C13397-D57F-88F9-7B29-81E8799ADE8F}"/>
               </a:ext>
             </a:extLst>
           </p:cNvPr>
@@ -2100,7 +2100,7 @@
           <p:cNvPr id="4" name="灯片编号占位符 3">
             <a:extLst>
               <a:ext uri="{FF2B5EF4-FFF2-40B4-BE49-F238E27FC236}">
-                <a16:creationId xmlns:a16="http://schemas.microsoft.com/office/drawing/2014/main" id="{772A4D43-E310-5B34-2FBA-ED64BEC6E96C}"/>
+                <a16:creationId xmlns:a16="http://schemas.microsoft.com/office/drawing/2014/main" id="{CF1737EA-02E2-50CE-C4B6-E321D04B5097}"/>
               </a:ext>
             </a:extLst>
           </p:cNvPr>
@@ -2116,7 +2116,7 @@
           <a:bodyPr/>
           <a:lstStyle/>
           <a:p>
-            <a:fld id="{5F440354-EEA8-4404-9C35-B3057DBCE840}" type="slidenum">
+            <a:fld id="{D286F675-854A-4306-AAEA-A17ACD8B5DB1}" type="slidenum">
               <a:rPr lang="zh-CN" altLang="en-US" smtClean="0"/>
               <a:t>‹#›</a:t>
             </a:fld>
@@ -2127,7 +2127,7 @@
     </p:spTree>
     <p:extLst>
       <p:ext uri="{BB962C8B-B14F-4D97-AF65-F5344CB8AC3E}">
-        <p14:creationId xmlns:p14="http://schemas.microsoft.com/office/powerpoint/2010/main" val="2957962874"/>
+        <p14:creationId xmlns:p14="http://schemas.microsoft.com/office/powerpoint/2010/main" val="3564679853"/>
       </p:ext>
     </p:extLst>
   </p:cSld>
@@ -2159,7 +2159,7 @@
           <p:cNvPr id="2" name="标题 1">
             <a:extLst>
               <a:ext uri="{FF2B5EF4-FFF2-40B4-BE49-F238E27FC236}">
-                <a16:creationId xmlns:a16="http://schemas.microsoft.com/office/drawing/2014/main" id="{DC683F7F-0910-864C-2165-CDA4EED4866A}"/>
+                <a16:creationId xmlns:a16="http://schemas.microsoft.com/office/drawing/2014/main" id="{8EEFC5F6-013B-873B-CB45-9C813D405366}"/>
               </a:ext>
             </a:extLst>
           </p:cNvPr>
@@ -2196,7 +2196,7 @@
           <p:cNvPr id="3" name="内容占位符 2">
             <a:extLst>
               <a:ext uri="{FF2B5EF4-FFF2-40B4-BE49-F238E27FC236}">
-                <a16:creationId xmlns:a16="http://schemas.microsoft.com/office/drawing/2014/main" id="{FB520079-1A8E-90FD-CB70-B916B08671F9}"/>
+                <a16:creationId xmlns:a16="http://schemas.microsoft.com/office/drawing/2014/main" id="{9A74295F-1A32-A26C-1D5F-A6468D4A65D5}"/>
               </a:ext>
             </a:extLst>
           </p:cNvPr>
@@ -2286,7 +2286,7 @@
           <p:cNvPr id="4" name="文本占位符 3">
             <a:extLst>
               <a:ext uri="{FF2B5EF4-FFF2-40B4-BE49-F238E27FC236}">
-                <a16:creationId xmlns:a16="http://schemas.microsoft.com/office/drawing/2014/main" id="{F411209C-6F36-65FA-E826-CBB5B95A5469}"/>
+                <a16:creationId xmlns:a16="http://schemas.microsoft.com/office/drawing/2014/main" id="{BBB7F16A-40BB-5D4A-3023-1FEA26D532D3}"/>
               </a:ext>
             </a:extLst>
           </p:cNvPr>
@@ -2357,7 +2357,7 @@
           <p:cNvPr id="5" name="日期占位符 4">
             <a:extLst>
               <a:ext uri="{FF2B5EF4-FFF2-40B4-BE49-F238E27FC236}">
-                <a16:creationId xmlns:a16="http://schemas.microsoft.com/office/drawing/2014/main" id="{88AEA678-9762-B965-DC2F-7C40CA73A0D2}"/>
+                <a16:creationId xmlns:a16="http://schemas.microsoft.com/office/drawing/2014/main" id="{50A96F18-6693-49EE-F4B5-A9385ABFD973}"/>
               </a:ext>
             </a:extLst>
           </p:cNvPr>
@@ -2373,7 +2373,7 @@
           <a:bodyPr/>
           <a:lstStyle/>
           <a:p>
-            <a:fld id="{DFEC7F55-DA97-435C-902C-F435D3F727E8}" type="datetimeFigureOut">
+            <a:fld id="{A2833464-4855-4A76-95B1-6364105C5E9A}" type="datetimeFigureOut">
               <a:rPr lang="zh-CN" altLang="en-US" smtClean="0"/>
               <a:t>2024/3/10</a:t>
             </a:fld>
@@ -2386,7 +2386,7 @@
           <p:cNvPr id="6" name="页脚占位符 5">
             <a:extLst>
               <a:ext uri="{FF2B5EF4-FFF2-40B4-BE49-F238E27FC236}">
-                <a16:creationId xmlns:a16="http://schemas.microsoft.com/office/drawing/2014/main" id="{7D85CF8A-D27C-D606-0F12-8BE9B52B3AB7}"/>
+                <a16:creationId xmlns:a16="http://schemas.microsoft.com/office/drawing/2014/main" id="{1FB3C74C-0BE4-D6BF-F8B4-8EB90A67F6DA}"/>
               </a:ext>
             </a:extLst>
           </p:cNvPr>
@@ -2411,7 +2411,7 @@
           <p:cNvPr id="7" name="灯片编号占位符 6">
             <a:extLst>
               <a:ext uri="{FF2B5EF4-FFF2-40B4-BE49-F238E27FC236}">
-                <a16:creationId xmlns:a16="http://schemas.microsoft.com/office/drawing/2014/main" id="{71F61142-828A-9DFF-72DA-4384452FB8ED}"/>
+                <a16:creationId xmlns:a16="http://schemas.microsoft.com/office/drawing/2014/main" id="{A7D730A6-3FE6-A63F-0A61-01E6E9D9DAEF}"/>
               </a:ext>
             </a:extLst>
           </p:cNvPr>
@@ -2427,7 +2427,7 @@
           <a:bodyPr/>
           <a:lstStyle/>
           <a:p>
-            <a:fld id="{5F440354-EEA8-4404-9C35-B3057DBCE840}" type="slidenum">
+            <a:fld id="{D286F675-854A-4306-AAEA-A17ACD8B5DB1}" type="slidenum">
               <a:rPr lang="zh-CN" altLang="en-US" smtClean="0"/>
               <a:t>‹#›</a:t>
             </a:fld>
@@ -2438,7 +2438,7 @@
     </p:spTree>
     <p:extLst>
       <p:ext uri="{BB962C8B-B14F-4D97-AF65-F5344CB8AC3E}">
-        <p14:creationId xmlns:p14="http://schemas.microsoft.com/office/powerpoint/2010/main" val="737575908"/>
+        <p14:creationId xmlns:p14="http://schemas.microsoft.com/office/powerpoint/2010/main" val="700847126"/>
       </p:ext>
     </p:extLst>
   </p:cSld>
@@ -2470,7 +2470,7 @@
           <p:cNvPr id="2" name="标题 1">
             <a:extLst>
               <a:ext uri="{FF2B5EF4-FFF2-40B4-BE49-F238E27FC236}">
-                <a16:creationId xmlns:a16="http://schemas.microsoft.com/office/drawing/2014/main" id="{166C626C-0806-FD03-28E7-ADCA394751E9}"/>
+                <a16:creationId xmlns:a16="http://schemas.microsoft.com/office/drawing/2014/main" id="{32AE6006-0DBE-7A5F-B470-B2AEA86669A2}"/>
               </a:ext>
             </a:extLst>
           </p:cNvPr>
@@ -2507,7 +2507,7 @@
           <p:cNvPr id="3" name="图片占位符 2">
             <a:extLst>
               <a:ext uri="{FF2B5EF4-FFF2-40B4-BE49-F238E27FC236}">
-                <a16:creationId xmlns:a16="http://schemas.microsoft.com/office/drawing/2014/main" id="{8728A454-8231-1986-49E9-61CEE19C9FDA}"/>
+                <a16:creationId xmlns:a16="http://schemas.microsoft.com/office/drawing/2014/main" id="{7B795479-9408-1812-55AA-517E6130A105}"/>
               </a:ext>
             </a:extLst>
           </p:cNvPr>
@@ -2574,7 +2574,7 @@
           <p:cNvPr id="4" name="文本占位符 3">
             <a:extLst>
               <a:ext uri="{FF2B5EF4-FFF2-40B4-BE49-F238E27FC236}">
-                <a16:creationId xmlns:a16="http://schemas.microsoft.com/office/drawing/2014/main" id="{4DB081B9-38DB-217A-E977-DFA2F54F1C92}"/>
+                <a16:creationId xmlns:a16="http://schemas.microsoft.com/office/drawing/2014/main" id="{33025A9C-71D0-6D7D-FB4B-581F1FBC5BBC}"/>
               </a:ext>
             </a:extLst>
           </p:cNvPr>
@@ -2645,7 +2645,7 @@
           <p:cNvPr id="5" name="日期占位符 4">
             <a:extLst>
               <a:ext uri="{FF2B5EF4-FFF2-40B4-BE49-F238E27FC236}">
-                <a16:creationId xmlns:a16="http://schemas.microsoft.com/office/drawing/2014/main" id="{54C0BBCF-6CB9-0DFC-B754-E3F3CB8B6B07}"/>
+                <a16:creationId xmlns:a16="http://schemas.microsoft.com/office/drawing/2014/main" id="{722648E9-30FD-0196-3779-840ABD7D6296}"/>
               </a:ext>
             </a:extLst>
           </p:cNvPr>
@@ -2661,7 +2661,7 @@
           <a:bodyPr/>
           <a:lstStyle/>
           <a:p>
-            <a:fld id="{DFEC7F55-DA97-435C-902C-F435D3F727E8}" type="datetimeFigureOut">
+            <a:fld id="{A2833464-4855-4A76-95B1-6364105C5E9A}" type="datetimeFigureOut">
               <a:rPr lang="zh-CN" altLang="en-US" smtClean="0"/>
               <a:t>2024/3/10</a:t>
             </a:fld>
@@ -2674,7 +2674,7 @@
           <p:cNvPr id="6" name="页脚占位符 5">
             <a:extLst>
               <a:ext uri="{FF2B5EF4-FFF2-40B4-BE49-F238E27FC236}">
-                <a16:creationId xmlns:a16="http://schemas.microsoft.com/office/drawing/2014/main" id="{B14210FF-1C4F-0968-F9B4-8B00FC70B585}"/>
+                <a16:creationId xmlns:a16="http://schemas.microsoft.com/office/drawing/2014/main" id="{31F57A73-7D63-5161-CBCF-27F44299CAD9}"/>
               </a:ext>
             </a:extLst>
           </p:cNvPr>
@@ -2699,7 +2699,7 @@
           <p:cNvPr id="7" name="灯片编号占位符 6">
             <a:extLst>
               <a:ext uri="{FF2B5EF4-FFF2-40B4-BE49-F238E27FC236}">
-                <a16:creationId xmlns:a16="http://schemas.microsoft.com/office/drawing/2014/main" id="{612A661E-88E5-2233-D30B-477CCFD9531B}"/>
+                <a16:creationId xmlns:a16="http://schemas.microsoft.com/office/drawing/2014/main" id="{1FE43255-403B-F26A-E799-19B4623BC927}"/>
               </a:ext>
             </a:extLst>
           </p:cNvPr>
@@ -2715,7 +2715,7 @@
           <a:bodyPr/>
           <a:lstStyle/>
           <a:p>
-            <a:fld id="{5F440354-EEA8-4404-9C35-B3057DBCE840}" type="slidenum">
+            <a:fld id="{D286F675-854A-4306-AAEA-A17ACD8B5DB1}" type="slidenum">
               <a:rPr lang="zh-CN" altLang="en-US" smtClean="0"/>
               <a:t>‹#›</a:t>
             </a:fld>
@@ -2726,7 +2726,7 @@
     </p:spTree>
     <p:extLst>
       <p:ext uri="{BB962C8B-B14F-4D97-AF65-F5344CB8AC3E}">
-        <p14:creationId xmlns:p14="http://schemas.microsoft.com/office/powerpoint/2010/main" val="2951919489"/>
+        <p14:creationId xmlns:p14="http://schemas.microsoft.com/office/powerpoint/2010/main" val="2578370643"/>
       </p:ext>
     </p:extLst>
   </p:cSld>
@@ -2763,7 +2763,7 @@
           <p:cNvPr id="2" name="标题占位符 1">
             <a:extLst>
               <a:ext uri="{FF2B5EF4-FFF2-40B4-BE49-F238E27FC236}">
-                <a16:creationId xmlns:a16="http://schemas.microsoft.com/office/drawing/2014/main" id="{03434591-E8E9-E357-6A36-E3B5D5654440}"/>
+                <a16:creationId xmlns:a16="http://schemas.microsoft.com/office/drawing/2014/main" id="{E12864C4-95F7-FAA8-A35C-AE53CCB74106}"/>
               </a:ext>
             </a:extLst>
           </p:cNvPr>
@@ -2801,7 +2801,7 @@
           <p:cNvPr id="3" name="文本占位符 2">
             <a:extLst>
               <a:ext uri="{FF2B5EF4-FFF2-40B4-BE49-F238E27FC236}">
-                <a16:creationId xmlns:a16="http://schemas.microsoft.com/office/drawing/2014/main" id="{12D5BCFF-CAEC-04B6-21ED-96DB431B0CED}"/>
+                <a16:creationId xmlns:a16="http://schemas.microsoft.com/office/drawing/2014/main" id="{03AA2450-F182-0924-3E50-4EBE638850CE}"/>
               </a:ext>
             </a:extLst>
           </p:cNvPr>
@@ -2868,7 +2868,7 @@
           <p:cNvPr id="4" name="日期占位符 3">
             <a:extLst>
               <a:ext uri="{FF2B5EF4-FFF2-40B4-BE49-F238E27FC236}">
-                <a16:creationId xmlns:a16="http://schemas.microsoft.com/office/drawing/2014/main" id="{4AA6015C-5D19-8C08-86F6-2D5D705A5BBE}"/>
+                <a16:creationId xmlns:a16="http://schemas.microsoft.com/office/drawing/2014/main" id="{D06D5D6E-936F-072A-0639-C191716B0A9D}"/>
               </a:ext>
             </a:extLst>
           </p:cNvPr>
@@ -2902,7 +2902,7 @@
             </a:lvl1pPr>
           </a:lstStyle>
           <a:p>
-            <a:fld id="{DFEC7F55-DA97-435C-902C-F435D3F727E8}" type="datetimeFigureOut">
+            <a:fld id="{A2833464-4855-4A76-95B1-6364105C5E9A}" type="datetimeFigureOut">
               <a:rPr lang="zh-CN" altLang="en-US" smtClean="0"/>
               <a:t>2024/3/10</a:t>
             </a:fld>
@@ -2915,7 +2915,7 @@
           <p:cNvPr id="5" name="页脚占位符 4">
             <a:extLst>
               <a:ext uri="{FF2B5EF4-FFF2-40B4-BE49-F238E27FC236}">
-                <a16:creationId xmlns:a16="http://schemas.microsoft.com/office/drawing/2014/main" id="{953A231A-A40C-5C90-CDDC-D0BA2D9EB5BD}"/>
+                <a16:creationId xmlns:a16="http://schemas.microsoft.com/office/drawing/2014/main" id="{07BA9404-D77B-4AEB-8A16-428E29F81CAE}"/>
               </a:ext>
             </a:extLst>
           </p:cNvPr>
@@ -2958,7 +2958,7 @@
           <p:cNvPr id="6" name="灯片编号占位符 5">
             <a:extLst>
               <a:ext uri="{FF2B5EF4-FFF2-40B4-BE49-F238E27FC236}">
-                <a16:creationId xmlns:a16="http://schemas.microsoft.com/office/drawing/2014/main" id="{03CAB23E-B914-617B-355A-4072121DAD62}"/>
+                <a16:creationId xmlns:a16="http://schemas.microsoft.com/office/drawing/2014/main" id="{D073AA60-1619-F8BA-5DBB-C1005C27E76C}"/>
               </a:ext>
             </a:extLst>
           </p:cNvPr>
@@ -2992,7 +2992,7 @@
             </a:lvl1pPr>
           </a:lstStyle>
           <a:p>
-            <a:fld id="{5F440354-EEA8-4404-9C35-B3057DBCE840}" type="slidenum">
+            <a:fld id="{D286F675-854A-4306-AAEA-A17ACD8B5DB1}" type="slidenum">
               <a:rPr lang="zh-CN" altLang="en-US" smtClean="0"/>
               <a:t>‹#›</a:t>
             </a:fld>
@@ -3003,7 +3003,7 @@
     </p:spTree>
     <p:extLst>
       <p:ext uri="{BB962C8B-B14F-4D97-AF65-F5344CB8AC3E}">
-        <p14:creationId xmlns:p14="http://schemas.microsoft.com/office/powerpoint/2010/main" val="1092855643"/>
+        <p14:creationId xmlns:p14="http://schemas.microsoft.com/office/powerpoint/2010/main" val="714341700"/>
       </p:ext>
     </p:extLst>
   </p:cSld>
@@ -3323,7 +3323,7 @@
       </p:grpSpPr>
       <p:pic>
         <p:nvPicPr>
-          <p:cNvPr id="1063938" name="Picture 2" descr="1038"/>
+          <p:cNvPr id="1064962" name="Picture 2" descr="1039"/>
           <p:cNvPicPr>
             <a:picLocks noChangeAspect="1" noChangeArrowheads="1"/>
           </p:cNvPicPr>
